--- a/shiryo/counter/カウンターを作ろう.pptx
+++ b/shiryo/counter/カウンターを作ろう.pptx
@@ -104,6 +104,11 @@
       </a:defRPr>
     </a:lvl9pPr>
   </p:defaultTextStyle>
+  <p:extLst>
+    <p:ext uri="{EFAFB233-063F-42B5-8137-9DF3F51BA10A}">
+      <p15:sldGuideLst xmlns:p15="http://schemas.microsoft.com/office/powerpoint/2012/main"/>
+    </p:ext>
+  </p:extLst>
 </p:presentation>
 </file>
 
@@ -238,7 +243,7 @@
           <a:p>
             <a:fld id="{01F67596-2C5E-440F-B030-996FBD8B5AF7}" type="datetimeFigureOut">
               <a:rPr kumimoji="1" lang="ja-JP" altLang="en-US" smtClean="0"/>
-              <a:t>2024/11/20</a:t>
+              <a:t>2024/11/25</a:t>
             </a:fld>
             <a:endParaRPr kumimoji="1" lang="ja-JP" altLang="en-US"/>
           </a:p>
@@ -440,7 +445,7 @@
           <a:p>
             <a:fld id="{01F67596-2C5E-440F-B030-996FBD8B5AF7}" type="datetimeFigureOut">
               <a:rPr kumimoji="1" lang="ja-JP" altLang="en-US" smtClean="0"/>
-              <a:t>2024/11/20</a:t>
+              <a:t>2024/11/25</a:t>
             </a:fld>
             <a:endParaRPr kumimoji="1" lang="ja-JP" altLang="en-US"/>
           </a:p>
@@ -652,7 +657,7 @@
           <a:p>
             <a:fld id="{01F67596-2C5E-440F-B030-996FBD8B5AF7}" type="datetimeFigureOut">
               <a:rPr kumimoji="1" lang="ja-JP" altLang="en-US" smtClean="0"/>
-              <a:t>2024/11/20</a:t>
+              <a:t>2024/11/25</a:t>
             </a:fld>
             <a:endParaRPr kumimoji="1" lang="ja-JP" altLang="en-US"/>
           </a:p>
@@ -854,7 +859,7 @@
           <a:p>
             <a:fld id="{01F67596-2C5E-440F-B030-996FBD8B5AF7}" type="datetimeFigureOut">
               <a:rPr kumimoji="1" lang="ja-JP" altLang="en-US" smtClean="0"/>
-              <a:t>2024/11/20</a:t>
+              <a:t>2024/11/25</a:t>
             </a:fld>
             <a:endParaRPr kumimoji="1" lang="ja-JP" altLang="en-US"/>
           </a:p>
@@ -1100,7 +1105,7 @@
           <a:p>
             <a:fld id="{01F67596-2C5E-440F-B030-996FBD8B5AF7}" type="datetimeFigureOut">
               <a:rPr kumimoji="1" lang="ja-JP" altLang="en-US" smtClean="0"/>
-              <a:t>2024/11/20</a:t>
+              <a:t>2024/11/25</a:t>
             </a:fld>
             <a:endParaRPr kumimoji="1" lang="ja-JP" altLang="en-US"/>
           </a:p>
@@ -1396,7 +1401,7 @@
           <a:p>
             <a:fld id="{01F67596-2C5E-440F-B030-996FBD8B5AF7}" type="datetimeFigureOut">
               <a:rPr kumimoji="1" lang="ja-JP" altLang="en-US" smtClean="0"/>
-              <a:t>2024/11/20</a:t>
+              <a:t>2024/11/25</a:t>
             </a:fld>
             <a:endParaRPr kumimoji="1" lang="ja-JP" altLang="en-US"/>
           </a:p>
@@ -1827,7 +1832,7 @@
           <a:p>
             <a:fld id="{01F67596-2C5E-440F-B030-996FBD8B5AF7}" type="datetimeFigureOut">
               <a:rPr kumimoji="1" lang="ja-JP" altLang="en-US" smtClean="0"/>
-              <a:t>2024/11/20</a:t>
+              <a:t>2024/11/25</a:t>
             </a:fld>
             <a:endParaRPr kumimoji="1" lang="ja-JP" altLang="en-US"/>
           </a:p>
@@ -1945,7 +1950,7 @@
           <a:p>
             <a:fld id="{01F67596-2C5E-440F-B030-996FBD8B5AF7}" type="datetimeFigureOut">
               <a:rPr kumimoji="1" lang="ja-JP" altLang="en-US" smtClean="0"/>
-              <a:t>2024/11/20</a:t>
+              <a:t>2024/11/25</a:t>
             </a:fld>
             <a:endParaRPr kumimoji="1" lang="ja-JP" altLang="en-US"/>
           </a:p>
@@ -2040,7 +2045,7 @@
           <a:p>
             <a:fld id="{01F67596-2C5E-440F-B030-996FBD8B5AF7}" type="datetimeFigureOut">
               <a:rPr kumimoji="1" lang="ja-JP" altLang="en-US" smtClean="0"/>
-              <a:t>2024/11/20</a:t>
+              <a:t>2024/11/25</a:t>
             </a:fld>
             <a:endParaRPr kumimoji="1" lang="ja-JP" altLang="en-US"/>
           </a:p>
@@ -2349,7 +2354,7 @@
           <a:p>
             <a:fld id="{01F67596-2C5E-440F-B030-996FBD8B5AF7}" type="datetimeFigureOut">
               <a:rPr kumimoji="1" lang="ja-JP" altLang="en-US" smtClean="0"/>
-              <a:t>2024/11/20</a:t>
+              <a:t>2024/11/25</a:t>
             </a:fld>
             <a:endParaRPr kumimoji="1" lang="ja-JP" altLang="en-US"/>
           </a:p>
@@ -2606,7 +2611,7 @@
           <a:p>
             <a:fld id="{01F67596-2C5E-440F-B030-996FBD8B5AF7}" type="datetimeFigureOut">
               <a:rPr kumimoji="1" lang="ja-JP" altLang="en-US" smtClean="0"/>
-              <a:t>2024/11/20</a:t>
+              <a:t>2024/11/25</a:t>
             </a:fld>
             <a:endParaRPr kumimoji="1" lang="ja-JP" altLang="en-US"/>
           </a:p>
@@ -2851,7 +2856,7 @@
           <a:p>
             <a:fld id="{01F67596-2C5E-440F-B030-996FBD8B5AF7}" type="datetimeFigureOut">
               <a:rPr kumimoji="1" lang="ja-JP" altLang="en-US" smtClean="0"/>
-              <a:t>2024/11/20</a:t>
+              <a:t>2024/11/25</a:t>
             </a:fld>
             <a:endParaRPr kumimoji="1" lang="ja-JP" altLang="en-US"/>
           </a:p>
